--- a/Estrategia de equipo de alto desempeño.pptx
+++ b/Estrategia de equipo de alto desempeño.pptx
@@ -2346,7 +2346,7 @@
             <a:fld id="{9334D819-9F07-4261-B09B-9E467E5D9002}" type="datetimeFigureOut">
               <a:rPr lang="en-US" dirty="0"/>
               <a:pPr/>
-              <a:t>10/31/2018</a:t>
+              <a:t>11/21/2018</a:t>
             </a:fld>
             <a:endParaRPr lang="en-US" dirty="0"/>
           </a:p>
@@ -2594,7 +2594,7 @@
           <a:p>
             <a:fld id="{9334D819-9F07-4261-B09B-9E467E5D9002}" type="datetimeFigureOut">
               <a:rPr lang="en-US" dirty="0"/>
-              <a:t>10/31/2018</a:t>
+              <a:t>11/21/2018</a:t>
             </a:fld>
             <a:endParaRPr lang="en-US" dirty="0"/>
           </a:p>
@@ -2784,7 +2784,7 @@
           <a:p>
             <a:fld id="{9334D819-9F07-4261-B09B-9E467E5D9002}" type="datetimeFigureOut">
               <a:rPr lang="en-US" dirty="0"/>
-              <a:t>10/31/2018</a:t>
+              <a:t>11/21/2018</a:t>
             </a:fld>
             <a:endParaRPr lang="en-US" dirty="0"/>
           </a:p>
@@ -3390,7 +3390,7 @@
           <a:p>
             <a:fld id="{9334D819-9F07-4261-B09B-9E467E5D9002}" type="datetimeFigureOut">
               <a:rPr lang="en-US" dirty="0"/>
-              <a:t>10/31/2018</a:t>
+              <a:t>11/21/2018</a:t>
             </a:fld>
             <a:endParaRPr lang="en-US" dirty="0"/>
           </a:p>
@@ -3677,7 +3677,7 @@
             <a:fld id="{9334D819-9F07-4261-B09B-9E467E5D9002}" type="datetimeFigureOut">
               <a:rPr lang="en-US" dirty="0"/>
               <a:pPr/>
-              <a:t>10/31/2018</a:t>
+              <a:t>11/21/2018</a:t>
             </a:fld>
             <a:endParaRPr lang="en-US" dirty="0"/>
           </a:p>
@@ -4888,7 +4888,7 @@
           <a:p>
             <a:fld id="{9334D819-9F07-4261-B09B-9E467E5D9002}" type="datetimeFigureOut">
               <a:rPr lang="en-US" dirty="0"/>
-              <a:t>10/31/2018</a:t>
+              <a:t>11/21/2018</a:t>
             </a:fld>
             <a:endParaRPr lang="en-US" dirty="0"/>
           </a:p>
@@ -5288,7 +5288,7 @@
           <a:p>
             <a:fld id="{9334D819-9F07-4261-B09B-9E467E5D9002}" type="datetimeFigureOut">
               <a:rPr lang="en-US" dirty="0"/>
-              <a:t>10/31/2018</a:t>
+              <a:t>11/21/2018</a:t>
             </a:fld>
             <a:endParaRPr lang="en-US" dirty="0"/>
           </a:p>
@@ -5421,7 +5421,7 @@
           <a:p>
             <a:fld id="{9334D819-9F07-4261-B09B-9E467E5D9002}" type="datetimeFigureOut">
               <a:rPr lang="en-US" dirty="0"/>
-              <a:t>10/31/2018</a:t>
+              <a:t>11/21/2018</a:t>
             </a:fld>
             <a:endParaRPr lang="en-US" dirty="0"/>
           </a:p>
@@ -5526,7 +5526,7 @@
           <a:p>
             <a:fld id="{9334D819-9F07-4261-B09B-9E467E5D9002}" type="datetimeFigureOut">
               <a:rPr lang="en-US" dirty="0"/>
-              <a:t>10/31/2018</a:t>
+              <a:t>11/21/2018</a:t>
             </a:fld>
             <a:endParaRPr lang="en-US" dirty="0"/>
           </a:p>
@@ -6299,7 +6299,7 @@
           <a:p>
             <a:fld id="{9334D819-9F07-4261-B09B-9E467E5D9002}" type="datetimeFigureOut">
               <a:rPr lang="en-US" dirty="0"/>
-              <a:t>10/31/2018</a:t>
+              <a:t>11/21/2018</a:t>
             </a:fld>
             <a:endParaRPr lang="en-US" dirty="0"/>
           </a:p>
@@ -7149,7 +7149,7 @@
           <a:p>
             <a:fld id="{9334D819-9F07-4261-B09B-9E467E5D9002}" type="datetimeFigureOut">
               <a:rPr lang="en-US" dirty="0"/>
-              <a:t>10/31/2018</a:t>
+              <a:t>11/21/2018</a:t>
             </a:fld>
             <a:endParaRPr lang="en-US" dirty="0"/>
           </a:p>
@@ -7387,7 +7387,7 @@
             <a:fld id="{9334D819-9F07-4261-B09B-9E467E5D9002}" type="datetimeFigureOut">
               <a:rPr lang="en-US" dirty="0"/>
               <a:pPr/>
-              <a:t>10/31/2018</a:t>
+              <a:t>11/21/2018</a:t>
             </a:fld>
             <a:endParaRPr lang="en-US" dirty="0"/>
           </a:p>
@@ -8638,7 +8638,7 @@
         </p:nvSpPr>
         <p:spPr>
           <a:xfrm>
-            <a:off x="727650" y="1212926"/>
+            <a:off x="727650" y="1107822"/>
             <a:ext cx="7688700" cy="3416400"/>
           </a:xfrm>
           <a:prstGeom prst="rect">
@@ -8698,16 +8698,13 @@
             </a:endParaRPr>
           </a:p>
           <a:p>
-            <a:pPr marL="0" lvl="0" indent="0" algn="just" rtl="0">
+            <a:pPr marL="0" lvl="0" indent="0" algn="just">
               <a:lnSpc>
                 <a:spcPct val="100000"/>
               </a:lnSpc>
               <a:spcBef>
                 <a:spcPts val="1600"/>
               </a:spcBef>
-              <a:spcAft>
-                <a:spcPts val="0"/>
-              </a:spcAft>
               <a:buNone/>
             </a:pPr>
             <a:r>
@@ -8720,17 +8717,8 @@
                 <a:cs typeface="Lao UI" panose="020B0502040204020203" pitchFamily="34" charset="0"/>
                 <a:sym typeface="Roboto"/>
               </a:rPr>
-              <a:t>Nuestra visión cómo un equipo desarrollador de software es crear software con altos estándares de calidad para satisfacer a nuestros clientes y brindarles al equipo crecimiento profesional dentro de la organización así como individual.</a:t>
+              <a:t>Como equipo desarrollador de software queremos que nuestros productos tengan una alta calidad y satisfagan a las necesidades de nuestros clientes, así también queremos que nuestros integrantes se desenvuelvan en un entorno laboral donde exista la responsabilidad, la tolerancia , la solidaridad y el respeto.</a:t>
             </a:r>
-            <a:endParaRPr sz="1600" dirty="0">
-              <a:solidFill>
-                <a:srgbClr val="000000"/>
-              </a:solidFill>
-              <a:latin typeface="Lao UI" panose="020B0502040204020203" pitchFamily="34" charset="0"/>
-              <a:ea typeface="Roboto"/>
-              <a:cs typeface="Lao UI" panose="020B0502040204020203" pitchFamily="34" charset="0"/>
-              <a:sym typeface="Roboto"/>
-            </a:endParaRPr>
           </a:p>
           <a:p>
             <a:pPr marL="0" lvl="0" indent="0" algn="just" rtl="0">
@@ -8890,6 +8878,11 @@
             </a:pPr>
             <a:r>
               <a:rPr lang="es-419" sz="3200" b="1" dirty="0">
+                <a:solidFill>
+                  <a:schemeClr val="accent2">
+                    <a:lumMod val="50000"/>
+                  </a:schemeClr>
+                </a:solidFill>
                 <a:latin typeface="Earworm DEMO" pitchFamily="50" charset="0"/>
                 <a:ea typeface="Lato"/>
                 <a:cs typeface="Lato"/>
@@ -8900,7 +8893,9 @@
             <a:r>
               <a:rPr lang="es-419" sz="2400" b="1" dirty="0">
                 <a:solidFill>
-                  <a:srgbClr val="000000"/>
+                  <a:schemeClr val="accent2">
+                    <a:lumMod val="50000"/>
+                  </a:schemeClr>
                 </a:solidFill>
                 <a:latin typeface="Earworm DEMO" pitchFamily="50" charset="0"/>
                 <a:ea typeface="Roboto"/>
@@ -8911,6 +8906,11 @@
             </a:r>
             <a:r>
               <a:rPr lang="es-419" sz="3200" b="1" dirty="0">
+                <a:solidFill>
+                  <a:schemeClr val="accent2">
+                    <a:lumMod val="50000"/>
+                  </a:schemeClr>
+                </a:solidFill>
                 <a:latin typeface="Earworm DEMO" pitchFamily="50" charset="0"/>
                 <a:ea typeface="Lato"/>
                 <a:cs typeface="Lato"/>
@@ -8919,6 +8919,11 @@
               <a:t>)</a:t>
             </a:r>
             <a:endParaRPr sz="3200" b="1" dirty="0">
+              <a:solidFill>
+                <a:schemeClr val="accent2">
+                  <a:lumMod val="50000"/>
+                </a:schemeClr>
+              </a:solidFill>
               <a:latin typeface="Earworm DEMO" pitchFamily="50" charset="0"/>
               <a:ea typeface="Lato"/>
               <a:cs typeface="Lato"/>
@@ -9203,7 +9208,7 @@
         </p:nvSpPr>
         <p:spPr>
           <a:xfrm>
-            <a:off x="969388" y="368197"/>
+            <a:off x="895815" y="105439"/>
             <a:ext cx="2152184" cy="535200"/>
           </a:xfrm>
           <a:prstGeom prst="rect">
@@ -9249,8 +9254,8 @@
         </p:nvSpPr>
         <p:spPr>
           <a:xfrm>
-            <a:off x="727650" y="903397"/>
-            <a:ext cx="7688700" cy="3604200"/>
+            <a:off x="727650" y="640639"/>
+            <a:ext cx="7688700" cy="4320244"/>
           </a:xfrm>
           <a:prstGeom prst="rect">
             <a:avLst/>
@@ -9284,7 +9289,7 @@
                 <a:cs typeface="Lao UI" panose="020B0502040204020203" pitchFamily="34" charset="0"/>
                 <a:sym typeface="Roboto"/>
               </a:rPr>
-              <a:t>Recompensas:</a:t>
+              <a:t>Recompensas</a:t>
             </a:r>
             <a:endParaRPr sz="1600" b="1" dirty="0">
               <a:solidFill>
@@ -9297,25 +9302,22 @@
             </a:endParaRPr>
           </a:p>
           <a:p>
-            <a:pPr marL="457200" lvl="0" indent="-317500" algn="l" rtl="0">
+            <a:pPr marL="425450" indent="-285750" algn="just">
               <a:lnSpc>
                 <a:spcPct val="100000"/>
               </a:lnSpc>
               <a:spcBef>
                 <a:spcPts val="1600"/>
               </a:spcBef>
-              <a:spcAft>
-                <a:spcPts val="0"/>
-              </a:spcAft>
               <a:buClr>
                 <a:srgbClr val="000000"/>
               </a:buClr>
               <a:buSzPts val="1400"/>
-              <a:buFont typeface="Roboto"/>
-              <a:buChar char="-"/>
+              <a:buFont typeface="Arial" panose="020B0604020202020204" pitchFamily="34" charset="0"/>
+              <a:buChar char="•"/>
             </a:pPr>
             <a:r>
-              <a:rPr lang="es-419" sz="1400" dirty="0">
+              <a:rPr lang="es-MX" sz="1400" dirty="0">
                 <a:solidFill>
                   <a:srgbClr val="000000"/>
                 </a:solidFill>
@@ -9324,38 +9326,26 @@
                 <a:cs typeface="Lao UI" panose="020B0502040204020203" pitchFamily="34" charset="0"/>
                 <a:sym typeface="Roboto"/>
               </a:rPr>
-              <a:t>Todos los miembros del equipo felicitaran por su cumplimiento semanal a los que hagan entregas correctas y puntuales.</a:t>
+              <a:t>En nuestro equipo se le reconoce semanalmente el esfuerzo a los miembros que han sido puntuales en la entrega de sus actividades asignadas como recompensa se le asigna el título de miembro de la semana, siempre y cuando sus actividades entregadas cumplan con la calidad esperada.</a:t>
             </a:r>
-            <a:endParaRPr sz="1400" dirty="0">
-              <a:solidFill>
-                <a:srgbClr val="000000"/>
-              </a:solidFill>
-              <a:latin typeface="Lao UI" panose="020B0502040204020203" pitchFamily="34" charset="0"/>
-              <a:ea typeface="Roboto"/>
-              <a:cs typeface="Lao UI" panose="020B0502040204020203" pitchFamily="34" charset="0"/>
-              <a:sym typeface="Roboto"/>
-            </a:endParaRPr>
-          </a:p>
-          <a:p>
-            <a:pPr marL="457200" lvl="0" indent="-317500" algn="l" rtl="0">
+          </a:p>
+          <a:p>
+            <a:pPr marL="425450" indent="-285750" algn="just">
               <a:lnSpc>
                 <a:spcPct val="100000"/>
               </a:lnSpc>
               <a:spcBef>
-                <a:spcPts val="0"/>
+                <a:spcPts val="1600"/>
               </a:spcBef>
-              <a:spcAft>
-                <a:spcPts val="0"/>
-              </a:spcAft>
               <a:buClr>
                 <a:srgbClr val="000000"/>
               </a:buClr>
               <a:buSzPts val="1400"/>
-              <a:buFont typeface="Roboto"/>
-              <a:buChar char="-"/>
+              <a:buFont typeface="Arial" panose="020B0604020202020204" pitchFamily="34" charset="0"/>
+              <a:buChar char="•"/>
             </a:pPr>
             <a:r>
-              <a:rPr lang="es-419" sz="1400" dirty="0">
+              <a:rPr lang="es-MX" sz="1400" dirty="0">
                 <a:solidFill>
                   <a:srgbClr val="000000"/>
                 </a:solidFill>
@@ -9364,99 +9354,11 @@
                 <a:cs typeface="Lao UI" panose="020B0502040204020203" pitchFamily="34" charset="0"/>
                 <a:sym typeface="Roboto"/>
               </a:rPr>
-              <a:t>También se dará un chocolate mini </a:t>
+              <a:t>Se reconoce también el esfuerzo de los miembros que a lo largo de un mes tuvieron un desempeño excelente y constante, a estos miembros se les recompensa con un bono monetario de 15% de su salario normal.</a:t>
             </a:r>
-            <a:r>
-              <a:rPr lang="es-419" sz="1400" dirty="0" err="1">
-                <a:solidFill>
-                  <a:srgbClr val="000000"/>
-                </a:solidFill>
-                <a:latin typeface="Lao UI" panose="020B0502040204020203" pitchFamily="34" charset="0"/>
-                <a:ea typeface="Roboto"/>
-                <a:cs typeface="Lao UI" panose="020B0502040204020203" pitchFamily="34" charset="0"/>
-                <a:sym typeface="Roboto"/>
-              </a:rPr>
-              <a:t>hersheys</a:t>
-            </a:r>
-            <a:r>
-              <a:rPr lang="es-419" sz="1400" dirty="0">
-                <a:solidFill>
-                  <a:srgbClr val="000000"/>
-                </a:solidFill>
-                <a:latin typeface="Lao UI" panose="020B0502040204020203" pitchFamily="34" charset="0"/>
-                <a:ea typeface="Roboto"/>
-                <a:cs typeface="Lao UI" panose="020B0502040204020203" pitchFamily="34" charset="0"/>
-                <a:sym typeface="Roboto"/>
-              </a:rPr>
-              <a:t> </a:t>
-            </a:r>
-            <a:r>
-              <a:rPr lang="es-419" sz="1400" dirty="0" err="1">
-                <a:solidFill>
-                  <a:srgbClr val="000000"/>
-                </a:solidFill>
-                <a:latin typeface="Lao UI" panose="020B0502040204020203" pitchFamily="34" charset="0"/>
-                <a:ea typeface="Roboto"/>
-                <a:cs typeface="Lao UI" panose="020B0502040204020203" pitchFamily="34" charset="0"/>
-                <a:sym typeface="Roboto"/>
-              </a:rPr>
-              <a:t>black</a:t>
-            </a:r>
-            <a:r>
-              <a:rPr lang="es-419" sz="1400" dirty="0">
-                <a:solidFill>
-                  <a:srgbClr val="000000"/>
-                </a:solidFill>
-                <a:latin typeface="Lao UI" panose="020B0502040204020203" pitchFamily="34" charset="0"/>
-                <a:ea typeface="Roboto"/>
-                <a:cs typeface="Lao UI" panose="020B0502040204020203" pitchFamily="34" charset="0"/>
-                <a:sym typeface="Roboto"/>
-              </a:rPr>
-              <a:t> a los miembro que cumplan, cada semana.</a:t>
-            </a:r>
-          </a:p>
-          <a:p>
-            <a:pPr marL="457200" lvl="0" indent="-317500" algn="l" rtl="0">
-              <a:lnSpc>
-                <a:spcPct val="100000"/>
-              </a:lnSpc>
-              <a:spcBef>
-                <a:spcPts val="0"/>
-              </a:spcBef>
-              <a:spcAft>
-                <a:spcPts val="0"/>
-              </a:spcAft>
-              <a:buClr>
-                <a:srgbClr val="000000"/>
-              </a:buClr>
-              <a:buSzPts val="1400"/>
-              <a:buFont typeface="Roboto"/>
-              <a:buChar char="-"/>
-            </a:pPr>
-            <a:r>
-              <a:rPr lang="es-419" sz="1400" dirty="0">
-                <a:solidFill>
-                  <a:srgbClr val="000000"/>
-                </a:solidFill>
-                <a:latin typeface="Lao UI" panose="020B0502040204020203" pitchFamily="34" charset="0"/>
-                <a:ea typeface="Roboto"/>
-                <a:cs typeface="Lao UI" panose="020B0502040204020203" pitchFamily="34" charset="0"/>
-                <a:sym typeface="Roboto"/>
-              </a:rPr>
-              <a:t>Para los miembros puntuales se otorgará un reconocimiento por puntualidad semanal.</a:t>
-            </a:r>
-            <a:endParaRPr sz="1400" dirty="0">
-              <a:solidFill>
-                <a:srgbClr val="000000"/>
-              </a:solidFill>
-              <a:latin typeface="Lao UI" panose="020B0502040204020203" pitchFamily="34" charset="0"/>
-              <a:ea typeface="Roboto"/>
-              <a:cs typeface="Lao UI" panose="020B0502040204020203" pitchFamily="34" charset="0"/>
-              <a:sym typeface="Roboto"/>
-            </a:endParaRPr>
-          </a:p>
-          <a:p>
-            <a:pPr marL="0" lvl="0" indent="0" algn="l" rtl="0">
+          </a:p>
+          <a:p>
+            <a:pPr marL="139700" lvl="0" indent="0" algn="l" rtl="0">
               <a:lnSpc>
                 <a:spcPct val="100000"/>
               </a:lnSpc>
@@ -9466,6 +9368,10 @@
               <a:spcAft>
                 <a:spcPts val="0"/>
               </a:spcAft>
+              <a:buClr>
+                <a:srgbClr val="000000"/>
+              </a:buClr>
+              <a:buSzPts val="1400"/>
               <a:buNone/>
             </a:pPr>
             <a:r>
@@ -9491,22 +9397,19 @@
             </a:endParaRPr>
           </a:p>
           <a:p>
-            <a:pPr marL="457200" lvl="0" indent="-317500" algn="l" rtl="0">
+            <a:pPr marL="425450" indent="-285750">
               <a:lnSpc>
                 <a:spcPct val="100000"/>
               </a:lnSpc>
               <a:spcBef>
                 <a:spcPts val="1600"/>
               </a:spcBef>
-              <a:spcAft>
-                <a:spcPts val="0"/>
-              </a:spcAft>
               <a:buClr>
                 <a:srgbClr val="000000"/>
               </a:buClr>
               <a:buSzPts val="1400"/>
-              <a:buFont typeface="Roboto"/>
-              <a:buChar char="-"/>
+              <a:buFont typeface="Arial" panose="020B0604020202020204" pitchFamily="34" charset="0"/>
+              <a:buChar char="•"/>
             </a:pPr>
             <a:r>
               <a:rPr lang="es-419" sz="1400" dirty="0">
@@ -9518,10 +9421,10 @@
                 <a:cs typeface="Lao UI" panose="020B0502040204020203" pitchFamily="34" charset="0"/>
                 <a:sym typeface="Roboto"/>
               </a:rPr>
-              <a:t>Al finalizar un proyecto, se evaluará al personal para reubicarlo de acuerdo a sus fortalezas y se le brindará </a:t>
+              <a:t>Al finalizar un proyecto, se evaluará al personal para reubicarlo de acuerdo a sus fortalezas y se le brindará capacitación de su </a:t>
             </a:r>
             <a:r>
-              <a:rPr lang="es-419" sz="1400" dirty="0" err="1">
+              <a:rPr lang="es-419" sz="1400">
                 <a:solidFill>
                   <a:srgbClr val="000000"/>
                 </a:solidFill>
@@ -9530,21 +9433,9 @@
                 <a:cs typeface="Lao UI" panose="020B0502040204020203" pitchFamily="34" charset="0"/>
                 <a:sym typeface="Roboto"/>
               </a:rPr>
-              <a:t>capacitamiento</a:t>
+              <a:t>nueva área.</a:t>
             </a:r>
-            <a:r>
-              <a:rPr lang="es-419" sz="1400" dirty="0">
-                <a:solidFill>
-                  <a:srgbClr val="000000"/>
-                </a:solidFill>
-                <a:latin typeface="Lao UI" panose="020B0502040204020203" pitchFamily="34" charset="0"/>
-                <a:ea typeface="Roboto"/>
-                <a:cs typeface="Lao UI" panose="020B0502040204020203" pitchFamily="34" charset="0"/>
-                <a:sym typeface="Roboto"/>
-              </a:rPr>
-              <a:t> para sus zonas de oportunidad.</a:t>
-            </a:r>
-            <a:endParaRPr sz="1400" dirty="0">
+            <a:endParaRPr lang="es-419" sz="1400" dirty="0">
               <a:solidFill>
                 <a:srgbClr val="000000"/>
               </a:solidFill>
@@ -9555,22 +9446,19 @@
             </a:endParaRPr>
           </a:p>
           <a:p>
-            <a:pPr marL="457200" lvl="0" indent="-317500" algn="l" rtl="0">
+            <a:pPr marL="425450" indent="-285750">
               <a:lnSpc>
                 <a:spcPct val="100000"/>
               </a:lnSpc>
               <a:spcBef>
-                <a:spcPts val="0"/>
+                <a:spcPts val="1600"/>
               </a:spcBef>
-              <a:spcAft>
-                <a:spcPts val="0"/>
-              </a:spcAft>
               <a:buClr>
                 <a:srgbClr val="000000"/>
               </a:buClr>
               <a:buSzPts val="1400"/>
-              <a:buFont typeface="Roboto"/>
-              <a:buChar char="-"/>
+              <a:buFont typeface="Arial" panose="020B0604020202020204" pitchFamily="34" charset="0"/>
+              <a:buChar char="•"/>
             </a:pPr>
             <a:r>
               <a:rPr lang="es-419" sz="1400" dirty="0">
@@ -9582,35 +9470,23 @@
                 <a:cs typeface="Lao UI" panose="020B0502040204020203" pitchFamily="34" charset="0"/>
                 <a:sym typeface="Roboto"/>
               </a:rPr>
-              <a:t>Se rotará el personal del equipo (de acuerdo a sus capacidades) para ofrecerles oportunidades de crecimiento.</a:t>
+              <a:t>Se rotará el personal del equipo para ofrecerles oportunidades de crecimiento.</a:t>
             </a:r>
-            <a:endParaRPr sz="1400" dirty="0">
-              <a:solidFill>
-                <a:srgbClr val="000000"/>
-              </a:solidFill>
-              <a:latin typeface="Lao UI" panose="020B0502040204020203" pitchFamily="34" charset="0"/>
-              <a:ea typeface="Roboto"/>
-              <a:cs typeface="Lao UI" panose="020B0502040204020203" pitchFamily="34" charset="0"/>
-              <a:sym typeface="Roboto"/>
-            </a:endParaRPr>
-          </a:p>
-          <a:p>
-            <a:pPr marL="457200" lvl="0" indent="-317500" algn="l" rtl="0">
+          </a:p>
+          <a:p>
+            <a:pPr marL="425450" indent="-285750">
               <a:lnSpc>
                 <a:spcPct val="100000"/>
               </a:lnSpc>
               <a:spcBef>
-                <a:spcPts val="0"/>
+                <a:spcPts val="1600"/>
               </a:spcBef>
-              <a:spcAft>
-                <a:spcPts val="0"/>
-              </a:spcAft>
               <a:buClr>
                 <a:srgbClr val="000000"/>
               </a:buClr>
               <a:buSzPts val="1400"/>
-              <a:buFont typeface="Roboto"/>
-              <a:buChar char="-"/>
+              <a:buFont typeface="Arial" panose="020B0604020202020204" pitchFamily="34" charset="0"/>
+              <a:buChar char="•"/>
             </a:pPr>
             <a:r>
               <a:rPr lang="es-419" sz="1400" dirty="0">
@@ -9622,7 +9498,7 @@
                 <a:cs typeface="Lao UI" panose="020B0502040204020203" pitchFamily="34" charset="0"/>
                 <a:sym typeface="Roboto"/>
               </a:rPr>
-              <a:t>Se recordarán las metas del equipo y se enviarán mensajes de motivación semanalmente</a:t>
+              <a:t>Se recordarán las metas del equipo durante las reuniones que se tengan a lo largo del proyecto.</a:t>
             </a:r>
             <a:endParaRPr sz="1400" dirty="0">
               <a:solidFill>

--- a/Estrategia de equipo de alto desempeño.pptx
+++ b/Estrategia de equipo de alto desempeño.pptx
@@ -34,31 +34,35 @@
       <p:boldItalic r:id="rId14"/>
     </p:embeddedFont>
     <p:embeddedFont>
-      <p:font typeface="Impact" panose="020B0806030902050204" pitchFamily="34" charset="0"/>
+      <p:font typeface="Gloucester MT Extra Condensed" panose="02030808020601010101" pitchFamily="18" charset="0"/>
       <p:regular r:id="rId15"/>
     </p:embeddedFont>
     <p:embeddedFont>
+      <p:font typeface="Impact" panose="020B0806030902050204" pitchFamily="34" charset="0"/>
+      <p:regular r:id="rId16"/>
+    </p:embeddedFont>
+    <p:embeddedFont>
       <p:font typeface="Lao UI" panose="020B0502040204020203" pitchFamily="34" charset="0"/>
-      <p:regular r:id="rId16"/>
-      <p:bold r:id="rId17"/>
+      <p:regular r:id="rId17"/>
+      <p:bold r:id="rId18"/>
     </p:embeddedFont>
     <p:embeddedFont>
       <p:font typeface="Lato" panose="020F0502020204030203" pitchFamily="34" charset="0"/>
-      <p:regular r:id="rId18"/>
-      <p:bold r:id="rId19"/>
-      <p:italic r:id="rId20"/>
-      <p:boldItalic r:id="rId21"/>
+      <p:regular r:id="rId19"/>
+      <p:bold r:id="rId20"/>
+      <p:italic r:id="rId21"/>
+      <p:boldItalic r:id="rId22"/>
     </p:embeddedFont>
     <p:embeddedFont>
       <p:font typeface="MV Boli" panose="02000500030200090000" pitchFamily="2" charset="0"/>
-      <p:regular r:id="rId22"/>
+      <p:regular r:id="rId23"/>
     </p:embeddedFont>
     <p:embeddedFont>
       <p:font typeface="Roboto" panose="02000000000000000000" pitchFamily="2" charset="0"/>
-      <p:regular r:id="rId23"/>
-      <p:bold r:id="rId24"/>
-      <p:italic r:id="rId25"/>
-      <p:boldItalic r:id="rId26"/>
+      <p:regular r:id="rId24"/>
+      <p:bold r:id="rId25"/>
+      <p:italic r:id="rId26"/>
+      <p:boldItalic r:id="rId27"/>
     </p:embeddedFont>
   </p:embeddedFontLst>
   <p:defaultTextStyle>
@@ -8446,26 +8450,26 @@
               <a:buNone/>
             </a:pPr>
             <a:r>
-              <a:rPr lang="es-419" sz="2800" dirty="0">
+              <a:rPr lang="es-419" sz="3600" dirty="0">
                 <a:solidFill>
                   <a:schemeClr val="accent6">
                     <a:lumMod val="50000"/>
                   </a:schemeClr>
                 </a:solidFill>
-                <a:latin typeface="Birds of Paradise  Personal use" pitchFamily="2" charset="0"/>
+                <a:latin typeface="Gloucester MT Extra Condensed" panose="02030808020601010101" pitchFamily="18" charset="0"/>
                 <a:ea typeface="Comfortaa"/>
                 <a:cs typeface="Comfortaa"/>
                 <a:sym typeface="Comfortaa"/>
               </a:rPr>
               <a:t>“No hay manera de fallar, si el proyecto tiene un plan”</a:t>
             </a:r>
-            <a:endParaRPr sz="2800" dirty="0">
+            <a:endParaRPr sz="3600" dirty="0">
               <a:solidFill>
                 <a:schemeClr val="accent6">
                   <a:lumMod val="50000"/>
                 </a:schemeClr>
               </a:solidFill>
-              <a:latin typeface="Birds of Paradise  Personal use" pitchFamily="2" charset="0"/>
+              <a:latin typeface="Gloucester MT Extra Condensed" panose="02030808020601010101" pitchFamily="18" charset="0"/>
               <a:ea typeface="Comfortaa"/>
               <a:cs typeface="Comfortaa"/>
               <a:sym typeface="Comfortaa"/>
